--- a/Group A336 visualization.pptx
+++ b/Group A336 visualization.pptx
@@ -246,7 +246,7 @@
             <a:fld id="{93FAAC3A-BD1F-4A00-9099-74B95789FE00}" type="datetimeFigureOut">
               <a:rPr lang="en-GB" smtClean="0"/>
               <a:pPr/>
-              <a:t>19/11/2024</a:t>
+              <a:t>23/11/2024</a:t>
             </a:fld>
             <a:endParaRPr lang="en-GB"/>
           </a:p>
@@ -453,7 +453,7 @@
             <a:fld id="{8E359C8A-39F6-4045-9163-4042C4C26B15}" type="datetimeFigureOut">
               <a:rPr lang="en-GB" smtClean="0"/>
               <a:pPr/>
-              <a:t>19/11/2024</a:t>
+              <a:t>23/11/2024</a:t>
             </a:fld>
             <a:endParaRPr lang="en-GB"/>
           </a:p>
@@ -5049,7 +5049,7 @@
         <p:spPr>
           <a:xfrm>
             <a:off x="965289" y="274320"/>
-            <a:ext cx="10455567" cy="736245"/>
+            <a:ext cx="10455567" cy="1040772"/>
           </a:xfrm>
         </p:spPr>
         <p:txBody>
@@ -5071,6 +5071,12 @@
             <a:r>
               <a:rPr lang="en-GB" dirty="0"/>
               <a:t>                                                                                                                                 Imad Uddin</a:t>
+            </a:r>
+          </a:p>
+          <a:p>
+            <a:r>
+              <a:rPr lang="en-GB" dirty="0"/>
+              <a:t>                                                                                                                                 Mahesh Talluri</a:t>
             </a:r>
           </a:p>
         </p:txBody>
@@ -5672,78 +5678,6 @@
           </a:p>
         </p:txBody>
       </p:sp>
-      <p:pic>
-        <p:nvPicPr>
-          <p:cNvPr id="11" name="Picture 10">
-            <a:extLst>
-              <a:ext uri="{FF2B5EF4-FFF2-40B4-BE49-F238E27FC236}">
-                <a16:creationId xmlns:a16="http://schemas.microsoft.com/office/drawing/2014/main" id="{5C8607BD-70FD-3D6B-BDE0-90D2BFC7E0A3}"/>
-              </a:ext>
-            </a:extLst>
-          </p:cNvPr>
-          <p:cNvPicPr>
-            <a:picLocks noChangeAspect="1"/>
-          </p:cNvPicPr>
-          <p:nvPr/>
-        </p:nvPicPr>
-        <p:blipFill>
-          <a:blip r:embed="rId3">
-            <a:extLst>
-              <a:ext uri="{28A0092B-C50C-407E-A947-70E740481C1C}">
-                <a14:useLocalDpi xmlns:a14="http://schemas.microsoft.com/office/drawing/2010/main" val="0"/>
-              </a:ext>
-            </a:extLst>
-          </a:blip>
-          <a:stretch>
-            <a:fillRect/>
-          </a:stretch>
-        </p:blipFill>
-        <p:spPr>
-          <a:xfrm>
-            <a:off x="360621" y="1384874"/>
-            <a:ext cx="5886847" cy="4013880"/>
-          </a:xfrm>
-          <a:prstGeom prst="rect">
-            <a:avLst/>
-          </a:prstGeom>
-        </p:spPr>
-      </p:pic>
-      <p:pic>
-        <p:nvPicPr>
-          <p:cNvPr id="14" name="Picture 13">
-            <a:extLst>
-              <a:ext uri="{FF2B5EF4-FFF2-40B4-BE49-F238E27FC236}">
-                <a16:creationId xmlns:a16="http://schemas.microsoft.com/office/drawing/2014/main" id="{3F8EF8DE-BC15-0C8E-FA4D-901D9CDE5DCF}"/>
-              </a:ext>
-            </a:extLst>
-          </p:cNvPr>
-          <p:cNvPicPr>
-            <a:picLocks noChangeAspect="1"/>
-          </p:cNvPicPr>
-          <p:nvPr/>
-        </p:nvPicPr>
-        <p:blipFill>
-          <a:blip r:embed="rId4">
-            <a:extLst>
-              <a:ext uri="{28A0092B-C50C-407E-A947-70E740481C1C}">
-                <a14:useLocalDpi xmlns:a14="http://schemas.microsoft.com/office/drawing/2010/main" val="0"/>
-              </a:ext>
-            </a:extLst>
-          </a:blip>
-          <a:stretch>
-            <a:fillRect/>
-          </a:stretch>
-        </p:blipFill>
-        <p:spPr>
-          <a:xfrm>
-            <a:off x="6020515" y="1459246"/>
-            <a:ext cx="5956377" cy="4140170"/>
-          </a:xfrm>
-          <a:prstGeom prst="rect">
-            <a:avLst/>
-          </a:prstGeom>
-        </p:spPr>
-      </p:pic>
       <p:sp>
         <p:nvSpPr>
           <p:cNvPr id="2" name="Slide Number Placeholder 3">
@@ -5876,6 +5810,78 @@
           </a:p>
         </p:txBody>
       </p:sp>
+      <p:pic>
+        <p:nvPicPr>
+          <p:cNvPr id="6" name="Picture 5">
+            <a:extLst>
+              <a:ext uri="{FF2B5EF4-FFF2-40B4-BE49-F238E27FC236}">
+                <a16:creationId xmlns:a16="http://schemas.microsoft.com/office/drawing/2014/main" id="{7A799A6C-AA07-3277-A07A-FBF5E93449CF}"/>
+              </a:ext>
+            </a:extLst>
+          </p:cNvPr>
+          <p:cNvPicPr>
+            <a:picLocks noChangeAspect="1"/>
+          </p:cNvPicPr>
+          <p:nvPr/>
+        </p:nvPicPr>
+        <p:blipFill>
+          <a:blip r:embed="rId3">
+            <a:extLst>
+              <a:ext uri="{28A0092B-C50C-407E-A947-70E740481C1C}">
+                <a14:useLocalDpi xmlns:a14="http://schemas.microsoft.com/office/drawing/2010/main" val="0"/>
+              </a:ext>
+            </a:extLst>
+          </a:blip>
+          <a:stretch>
+            <a:fillRect/>
+          </a:stretch>
+        </p:blipFill>
+        <p:spPr>
+          <a:xfrm>
+            <a:off x="215108" y="1613043"/>
+            <a:ext cx="5624410" cy="3403887"/>
+          </a:xfrm>
+          <a:prstGeom prst="rect">
+            <a:avLst/>
+          </a:prstGeom>
+        </p:spPr>
+      </p:pic>
+      <p:pic>
+        <p:nvPicPr>
+          <p:cNvPr id="9" name="Picture 8">
+            <a:extLst>
+              <a:ext uri="{FF2B5EF4-FFF2-40B4-BE49-F238E27FC236}">
+                <a16:creationId xmlns:a16="http://schemas.microsoft.com/office/drawing/2014/main" id="{EF5B77BF-C55C-FE73-D92D-F8009F87D0B5}"/>
+              </a:ext>
+            </a:extLst>
+          </p:cNvPr>
+          <p:cNvPicPr>
+            <a:picLocks noChangeAspect="1"/>
+          </p:cNvPicPr>
+          <p:nvPr/>
+        </p:nvPicPr>
+        <p:blipFill>
+          <a:blip r:embed="rId4">
+            <a:extLst>
+              <a:ext uri="{28A0092B-C50C-407E-A947-70E740481C1C}">
+                <a14:useLocalDpi xmlns:a14="http://schemas.microsoft.com/office/drawing/2010/main" val="0"/>
+              </a:ext>
+            </a:extLst>
+          </a:blip>
+          <a:stretch>
+            <a:fillRect/>
+          </a:stretch>
+        </p:blipFill>
+        <p:spPr>
+          <a:xfrm>
+            <a:off x="6089755" y="1638570"/>
+            <a:ext cx="5783371" cy="3580859"/>
+          </a:xfrm>
+          <a:prstGeom prst="rect">
+            <a:avLst/>
+          </a:prstGeom>
+        </p:spPr>
+      </p:pic>
     </p:spTree>
     <p:extLst>
       <p:ext uri="{BB962C8B-B14F-4D97-AF65-F5344CB8AC3E}">
@@ -6627,33 +6633,10 @@
       </p:sp>
       <p:pic>
         <p:nvPicPr>
-          <p:cNvPr id="125" name="Picture 5" descr="Chart, histogram&#10;&#10;Description automatically generated"/>
-          <p:cNvPicPr/>
-          <p:nvPr/>
-        </p:nvPicPr>
-        <p:blipFill>
-          <a:blip r:embed="rId3"/>
-          <a:stretch/>
-        </p:blipFill>
-        <p:spPr>
-          <a:xfrm>
-            <a:off x="885960" y="1696153"/>
-            <a:ext cx="5057640" cy="5057640"/>
-          </a:xfrm>
-          <a:prstGeom prst="rect">
-            <a:avLst/>
-          </a:prstGeom>
-          <a:ln>
-            <a:noFill/>
-          </a:ln>
-        </p:spPr>
-      </p:pic>
-      <p:pic>
-        <p:nvPicPr>
-          <p:cNvPr id="2" name="Picture 1">
-            <a:extLst>
-              <a:ext uri="{FF2B5EF4-FFF2-40B4-BE49-F238E27FC236}">
-                <a16:creationId xmlns:a16="http://schemas.microsoft.com/office/drawing/2014/main" id="{E98C94C6-0653-4062-C711-F7B5FE143DD5}"/>
+          <p:cNvPr id="4" name="Picture 3">
+            <a:extLst>
+              <a:ext uri="{FF2B5EF4-FFF2-40B4-BE49-F238E27FC236}">
+                <a16:creationId xmlns:a16="http://schemas.microsoft.com/office/drawing/2014/main" id="{650268CF-9AD7-764D-4CEA-6A3CBC6B058E}"/>
               </a:ext>
             </a:extLst>
           </p:cNvPr>
@@ -6663,43 +6646,7 @@
           <p:nvPr/>
         </p:nvPicPr>
         <p:blipFill>
-          <a:blip r:embed="rId4">
-            <a:extLst>
-              <a:ext uri="{28A0092B-C50C-407E-A947-70E740481C1C}">
-                <a14:useLocalDpi xmlns:a14="http://schemas.microsoft.com/office/drawing/2010/main" val="0"/>
-              </a:ext>
-            </a:extLst>
-          </a:blip>
-          <a:stretch>
-            <a:fillRect/>
-          </a:stretch>
-        </p:blipFill>
-        <p:spPr>
-          <a:xfrm>
-            <a:off x="286440" y="2323224"/>
-            <a:ext cx="6086640" cy="4230714"/>
-          </a:xfrm>
-          <a:prstGeom prst="rect">
-            <a:avLst/>
-          </a:prstGeom>
-        </p:spPr>
-      </p:pic>
-      <p:pic>
-        <p:nvPicPr>
-          <p:cNvPr id="4" name="Picture 3">
-            <a:extLst>
-              <a:ext uri="{FF2B5EF4-FFF2-40B4-BE49-F238E27FC236}">
-                <a16:creationId xmlns:a16="http://schemas.microsoft.com/office/drawing/2014/main" id="{650268CF-9AD7-764D-4CEA-6A3CBC6B058E}"/>
-              </a:ext>
-            </a:extLst>
-          </p:cNvPr>
-          <p:cNvPicPr>
-            <a:picLocks noChangeAspect="1"/>
-          </p:cNvPicPr>
-          <p:nvPr/>
-        </p:nvPicPr>
-        <p:blipFill>
-          <a:blip r:embed="rId5"/>
+          <a:blip r:embed="rId3"/>
           <a:stretch>
             <a:fillRect/>
           </a:stretch>
@@ -6856,6 +6803,42 @@
           </a:p>
         </p:txBody>
       </p:sp>
+      <p:pic>
+        <p:nvPicPr>
+          <p:cNvPr id="6" name="Picture 5">
+            <a:extLst>
+              <a:ext uri="{FF2B5EF4-FFF2-40B4-BE49-F238E27FC236}">
+                <a16:creationId xmlns:a16="http://schemas.microsoft.com/office/drawing/2014/main" id="{D31CF4BC-EF6F-2D79-90F6-058A91B60512}"/>
+              </a:ext>
+            </a:extLst>
+          </p:cNvPr>
+          <p:cNvPicPr>
+            <a:picLocks noChangeAspect="1"/>
+          </p:cNvPicPr>
+          <p:nvPr/>
+        </p:nvPicPr>
+        <p:blipFill>
+          <a:blip r:embed="rId4">
+            <a:extLst>
+              <a:ext uri="{28A0092B-C50C-407E-A947-70E740481C1C}">
+                <a14:useLocalDpi xmlns:a14="http://schemas.microsoft.com/office/drawing/2010/main" val="0"/>
+              </a:ext>
+            </a:extLst>
+          </a:blip>
+          <a:stretch>
+            <a:fillRect/>
+          </a:stretch>
+        </p:blipFill>
+        <p:spPr>
+          <a:xfrm>
+            <a:off x="278722" y="2345405"/>
+            <a:ext cx="6038116" cy="3738588"/>
+          </a:xfrm>
+          <a:prstGeom prst="rect">
+            <a:avLst/>
+          </a:prstGeom>
+        </p:spPr>
+      </p:pic>
     </p:spTree>
   </p:cSld>
   <p:clrMapOvr>
@@ -8223,6 +8206,23 @@
 </file>
 
 <file path=customXml/item1.xml><?xml version="1.0" encoding="utf-8"?>
+<?mso-contentType ?>
+<FormTemplates xmlns="http://schemas.microsoft.com/sharepoint/v3/contenttype/forms">
+  <Display>DocumentLibraryForm</Display>
+  <Edit>DocumentLibraryForm</Edit>
+  <New>DocumentLibraryForm</New>
+</FormTemplates>
+</file>
+
+<file path=customXml/item2.xml><?xml version="1.0" encoding="utf-8"?>
+<p:properties xmlns:p="http://schemas.microsoft.com/office/2006/metadata/properties" xmlns:xsi="http://www.w3.org/2001/XMLSchema-instance" xmlns:pc="http://schemas.microsoft.com/office/infopath/2007/PartnerControls">
+  <documentManagement>
+    <Information xmlns="4ad138b4-2b68-4b70-945d-07f8f18b1c9a" xsi:nil="true"/>
+  </documentManagement>
+</p:properties>
+</file>
+
+<file path=customXml/item3.xml><?xml version="1.0" encoding="utf-8"?>
 <ct:contentTypeSchema xmlns:ct="http://schemas.microsoft.com/office/2006/metadata/contentType" xmlns:ma="http://schemas.microsoft.com/office/2006/metadata/properties/metaAttributes" ct:_="" ma:_="" ma:contentTypeName="Document" ma:contentTypeID="0x01010026DBA85F447B164191BB36C258697B67" ma:contentTypeVersion="14" ma:contentTypeDescription="Create a new document." ma:contentTypeScope="" ma:versionID="ea511d05ca7f895fe9556935b5c9af34">
   <xsd:schema xmlns:xsd="http://www.w3.org/2001/XMLSchema" xmlns:xs="http://www.w3.org/2001/XMLSchema" xmlns:p="http://schemas.microsoft.com/office/2006/metadata/properties" xmlns:ns2="4ad138b4-2b68-4b70-945d-07f8f18b1c9a" xmlns:ns3="3c474641-ec36-472f-b125-6b1b0910eaa4" targetNamespace="http://schemas.microsoft.com/office/2006/metadata/properties" ma:root="true" ma:fieldsID="662270106d7a7e100bcac2c5f8d29899" ns2:_="" ns3:_="">
     <xsd:import namespace="4ad138b4-2b68-4b70-945d-07f8f18b1c9a"/>
@@ -8447,24 +8447,27 @@
 </ct:contentTypeSchema>
 </file>
 
-<file path=customXml/item2.xml><?xml version="1.0" encoding="utf-8"?>
-<p:properties xmlns:p="http://schemas.microsoft.com/office/2006/metadata/properties" xmlns:xsi="http://www.w3.org/2001/XMLSchema-instance" xmlns:pc="http://schemas.microsoft.com/office/infopath/2007/PartnerControls">
-  <documentManagement>
-    <Information xmlns="4ad138b4-2b68-4b70-945d-07f8f18b1c9a" xsi:nil="true"/>
-  </documentManagement>
-</p:properties>
+<file path=customXml/itemProps1.xml><?xml version="1.0" encoding="utf-8"?>
+<ds:datastoreItem xmlns:ds="http://schemas.openxmlformats.org/officeDocument/2006/customXml" ds:itemID="{91C521DD-2673-4EE6-BB9B-DC5C3320FFBB}">
+  <ds:schemaRefs>
+    <ds:schemaRef ds:uri="http://schemas.microsoft.com/sharepoint/v3/contenttype/forms"/>
+  </ds:schemaRefs>
+</ds:datastoreItem>
 </file>
 
-<file path=customXml/item3.xml><?xml version="1.0" encoding="utf-8"?>
-<?mso-contentType ?>
-<FormTemplates xmlns="http://schemas.microsoft.com/sharepoint/v3/contenttype/forms">
-  <Display>DocumentLibraryForm</Display>
-  <Edit>DocumentLibraryForm</Edit>
-  <New>DocumentLibraryForm</New>
-</FormTemplates>
+<file path=customXml/itemProps2.xml><?xml version="1.0" encoding="utf-8"?>
+<ds:datastoreItem xmlns:ds="http://schemas.openxmlformats.org/officeDocument/2006/customXml" ds:itemID="{EDD1FC41-23C7-41B0-B5F9-BF4CD38AD2ED}">
+  <ds:schemaRefs>
+    <ds:schemaRef ds:uri="http://schemas.microsoft.com/office/2006/metadata/properties"/>
+    <ds:schemaRef ds:uri="http://www.w3.org/2000/xmlns/"/>
+    <ds:schemaRef ds:uri="4ad138b4-2b68-4b70-945d-07f8f18b1c9a"/>
+    <ds:schemaRef ds:uri="http://www.w3.org/2001/XMLSchema-instance"/>
+    <ds:schemaRef ds:uri="http://schemas.microsoft.com/office/infopath/2007/PartnerControls"/>
+  </ds:schemaRefs>
+</ds:datastoreItem>
 </file>
 
-<file path=customXml/itemProps1.xml><?xml version="1.0" encoding="utf-8"?>
+<file path=customXml/itemProps3.xml><?xml version="1.0" encoding="utf-8"?>
 <ds:datastoreItem xmlns:ds="http://schemas.openxmlformats.org/officeDocument/2006/customXml" ds:itemID="{421B8C57-903D-4D0E-8336-7B512F760CD1}">
   <ds:schemaRefs>
     <ds:schemaRef ds:uri="http://schemas.microsoft.com/office/2006/metadata/contentType"/>
@@ -8482,24 +8485,4 @@
     <ds:schemaRef ds:uri="http://schemas.microsoft.com/internal/obd"/>
   </ds:schemaRefs>
 </ds:datastoreItem>
-</file>
-
-<file path=customXml/itemProps2.xml><?xml version="1.0" encoding="utf-8"?>
-<ds:datastoreItem xmlns:ds="http://schemas.openxmlformats.org/officeDocument/2006/customXml" ds:itemID="{EDD1FC41-23C7-41B0-B5F9-BF4CD38AD2ED}">
-  <ds:schemaRefs>
-    <ds:schemaRef ds:uri="http://schemas.microsoft.com/office/2006/metadata/properties"/>
-    <ds:schemaRef ds:uri="http://www.w3.org/2000/xmlns/"/>
-    <ds:schemaRef ds:uri="4ad138b4-2b68-4b70-945d-07f8f18b1c9a"/>
-    <ds:schemaRef ds:uri="http://www.w3.org/2001/XMLSchema-instance"/>
-    <ds:schemaRef ds:uri="http://schemas.microsoft.com/office/infopath/2007/PartnerControls"/>
-  </ds:schemaRefs>
-</ds:datastoreItem>
-</file>
-
-<file path=customXml/itemProps3.xml><?xml version="1.0" encoding="utf-8"?>
-<ds:datastoreItem xmlns:ds="http://schemas.openxmlformats.org/officeDocument/2006/customXml" ds:itemID="{91C521DD-2673-4EE6-BB9B-DC5C3320FFBB}">
-  <ds:schemaRefs>
-    <ds:schemaRef ds:uri="http://schemas.microsoft.com/sharepoint/v3/contenttype/forms"/>
-  </ds:schemaRefs>
-</ds:datastoreItem>
 </file>